--- a/reports/slide/Thiet-ke-Che-tao-May-Trang-Phu-Mang-Mong-ung-dung-trong-linh-kien-chuyen-doi-djien-nang-24032025.pptx
+++ b/reports/slide/Thiet-ke-Che-tao-May-Trang-Phu-Mang-Mong-ung-dung-trong-linh-kien-chuyen-doi-djien-nang-24032025.pptx
@@ -4366,67 +4366,14 @@
       </p:sp>
       <p:sp>
         <p:nvSpPr>
-          <p:cNvPr id="5" name="Freeform 5"/>
-          <p:cNvSpPr/>
-          <p:nvPr/>
-        </p:nvSpPr>
-        <p:spPr>
-          <a:xfrm>
-            <a:off x="-1184678" y="1716939"/>
-            <a:ext cx="8278598" cy="5908849"/>
-          </a:xfrm>
-          <a:custGeom>
-            <a:avLst/>
-            <a:gdLst/>
-            <a:ahLst/>
-            <a:cxnLst/>
-            <a:rect l="l" t="t" r="r" b="b"/>
-            <a:pathLst>
-              <a:path w="8278598" h="5908849">
-                <a:moveTo>
-                  <a:pt x="0" y="0"/>
-                </a:moveTo>
-                <a:lnTo>
-                  <a:pt x="8278597" y="0"/>
-                </a:lnTo>
-                <a:lnTo>
-                  <a:pt x="8278597" y="5908849"/>
-                </a:lnTo>
-                <a:lnTo>
-                  <a:pt x="0" y="5908849"/>
-                </a:lnTo>
-                <a:lnTo>
-                  <a:pt x="0" y="0"/>
-                </a:lnTo>
-                <a:close/>
-              </a:path>
-            </a:pathLst>
-          </a:custGeom>
-          <a:blipFill>
-            <a:blip r:embed="rId5"/>
-            <a:stretch>
-              <a:fillRect/>
-            </a:stretch>
-          </a:blipFill>
-        </p:spPr>
-        <p:txBody>
-          <a:bodyPr/>
-          <a:lstStyle/>
-          <a:p>
-            <a:endParaRPr lang="en-US"/>
-          </a:p>
-        </p:txBody>
-      </p:sp>
-      <p:sp>
-        <p:nvSpPr>
           <p:cNvPr id="6" name="Freeform 6"/>
           <p:cNvSpPr/>
           <p:nvPr/>
         </p:nvSpPr>
         <p:spPr>
           <a:xfrm>
-            <a:off x="3776182" y="2557240"/>
-            <a:ext cx="5923991" cy="4228249"/>
+            <a:off x="4100711" y="2995301"/>
+            <a:ext cx="5128173" cy="3883146"/>
           </a:xfrm>
           <a:custGeom>
             <a:avLst/>
@@ -4456,7 +4403,7 @@
             </a:pathLst>
           </a:custGeom>
           <a:blipFill>
-            <a:blip r:embed="rId6"/>
+            <a:blip r:embed="rId5"/>
             <a:stretch>
               <a:fillRect/>
             </a:stretch>
@@ -4509,7 +4456,7 @@
             </a:pathLst>
           </a:custGeom>
           <a:blipFill>
-            <a:blip r:embed="rId7"/>
+            <a:blip r:embed="rId6"/>
             <a:stretch>
               <a:fillRect/>
             </a:stretch>
@@ -4772,6 +4719,42 @@
           </a:p>
         </p:txBody>
       </p:sp>
+      <p:pic>
+        <p:nvPicPr>
+          <p:cNvPr id="21" name="Picture 20" descr="A white rectangular object with a black background&#10;&#10;AI-generated content may be incorrect.">
+            <a:extLst>
+              <a:ext uri="{FF2B5EF4-FFF2-40B4-BE49-F238E27FC236}">
+                <a16:creationId xmlns:a16="http://schemas.microsoft.com/office/drawing/2014/main" id="{1E2FD603-F5EE-3B08-0F5D-0837D289E9D4}"/>
+              </a:ext>
+            </a:extLst>
+          </p:cNvPr>
+          <p:cNvPicPr>
+            <a:picLocks noChangeAspect="1"/>
+          </p:cNvPicPr>
+          <p:nvPr/>
+        </p:nvPicPr>
+        <p:blipFill>
+          <a:blip r:embed="rId7" cstate="print">
+            <a:extLst>
+              <a:ext uri="{28A0092B-C50C-407E-A947-70E740481C1C}">
+                <a14:useLocalDpi xmlns:a14="http://schemas.microsoft.com/office/drawing/2010/main" val="0"/>
+              </a:ext>
+            </a:extLst>
+          </a:blip>
+          <a:stretch>
+            <a:fillRect/>
+          </a:stretch>
+        </p:blipFill>
+        <p:spPr>
+          <a:xfrm>
+            <a:off x="-1326351" y="2661212"/>
+            <a:ext cx="8846655" cy="3814402"/>
+          </a:xfrm>
+          <a:prstGeom prst="rect">
+            <a:avLst/>
+          </a:prstGeom>
+        </p:spPr>
+      </p:pic>
     </p:spTree>
   </p:cSld>
   <p:clrMapOvr>
@@ -15807,7 +15790,7 @@
         </p:nvSpPr>
         <p:spPr>
           <a:xfrm>
-            <a:off x="16316344" y="-3845014"/>
+            <a:off x="16568131" y="-4860531"/>
             <a:ext cx="7101500" cy="7088588"/>
           </a:xfrm>
           <a:custGeom>
@@ -17878,14 +17861,49 @@
                             </p:stCondLst>
                             <p:childTnLst>
                               <p:par>
-                                <p:cTn id="5" presetID="42" presetClass="path" presetSubtype="0" accel="50000" decel="50000" fill="hold" nodeType="clickEffect">
+                                <p:cTn id="5" presetID="10" presetClass="exit" presetSubtype="0" fill="hold" nodeType="clickEffect">
+                                  <p:stCondLst>
+                                    <p:cond delay="0"/>
+                                  </p:stCondLst>
+                                  <p:childTnLst>
+                                    <p:animEffect transition="out" filter="fade">
+                                      <p:cBhvr>
+                                        <p:cTn id="6" dur="500"/>
+                                        <p:tgtEl>
+                                          <p:spTgt spid="3084"/>
+                                        </p:tgtEl>
+                                      </p:cBhvr>
+                                    </p:animEffect>
+                                    <p:set>
+                                      <p:cBhvr>
+                                        <p:cTn id="7" dur="1" fill="hold">
+                                          <p:stCondLst>
+                                            <p:cond delay="499"/>
+                                          </p:stCondLst>
+                                        </p:cTn>
+                                        <p:tgtEl>
+                                          <p:spTgt spid="3084"/>
+                                        </p:tgtEl>
+                                        <p:attrNameLst>
+                                          <p:attrName>style.visibility</p:attrName>
+                                        </p:attrNameLst>
+                                      </p:cBhvr>
+                                      <p:to>
+                                        <p:strVal val="hidden"/>
+                                      </p:to>
+                                    </p:set>
+                                  </p:childTnLst>
+                                </p:cTn>
+                              </p:par>
+                              <p:par>
+                                <p:cTn id="8" presetID="42" presetClass="path" presetSubtype="0" accel="50000" decel="50000" fill="hold" nodeType="withEffect">
                                   <p:stCondLst>
                                     <p:cond delay="0"/>
                                   </p:stCondLst>
                                   <p:childTnLst>
                                     <p:animMotion origin="layout" path="M -2.91667E-6 -7.40741E-7 L -0.2289 -0.41343 " pathEditMode="relative" rAng="0" ptsTypes="AA">
                                       <p:cBhvr>
-                                        <p:cTn id="6" dur="2000" fill="hold"/>
+                                        <p:cTn id="9" dur="2000" fill="hold"/>
                                         <p:tgtEl>
                                           <p:spTgt spid="3082"/>
                                         </p:tgtEl>
@@ -19684,7 +19702,7 @@
         <p:spPr>
           <a:xfrm>
             <a:off x="693110" y="2628900"/>
-            <a:ext cx="5631490" cy="5714065"/>
+            <a:ext cx="5631490" cy="6291146"/>
           </a:xfrm>
           <a:prstGeom prst="rect">
             <a:avLst/>
@@ -19752,122 +19770,58 @@
               <a:buChar char="•"/>
             </a:pPr>
             <a:r>
-              <a:rPr lang="en-US" sz="3000" dirty="0" err="1"/>
-              <a:t>Chế</a:t>
-            </a:r>
-            <a:r>
-              <a:rPr lang="en-US" sz="3000" dirty="0"/>
-              <a:t> </a:t>
-            </a:r>
-            <a:r>
-              <a:rPr lang="en-US" sz="3000" dirty="0" err="1"/>
-              <a:t>tạo</a:t>
-            </a:r>
-            <a:r>
-              <a:rPr lang="en-US" sz="3000" dirty="0"/>
-              <a:t> </a:t>
-            </a:r>
-            <a:r>
-              <a:rPr lang="en-US" sz="3000" dirty="0" err="1"/>
-              <a:t>lớp</a:t>
-            </a:r>
-            <a:r>
-              <a:rPr lang="en-US" sz="3000" dirty="0"/>
-              <a:t> </a:t>
-            </a:r>
-            <a:r>
-              <a:rPr lang="en-US" sz="3000" dirty="0" err="1"/>
-              <a:t>vận</a:t>
-            </a:r>
-            <a:r>
-              <a:rPr lang="en-US" sz="3000" dirty="0"/>
-              <a:t> </a:t>
-            </a:r>
-            <a:r>
-              <a:rPr lang="en-US" sz="3000" dirty="0" err="1"/>
-              <a:t>chuyển</a:t>
-            </a:r>
-            <a:r>
-              <a:rPr lang="en-US" sz="3000" dirty="0"/>
-              <a:t> </a:t>
-            </a:r>
-            <a:r>
-              <a:rPr lang="en-US" sz="3000" dirty="0" err="1"/>
-              <a:t>hạt</a:t>
-            </a:r>
-            <a:r>
-              <a:rPr lang="en-US" sz="3000" dirty="0"/>
-              <a:t> </a:t>
-            </a:r>
-            <a:r>
-              <a:rPr lang="en-US" sz="3000" dirty="0" err="1"/>
-              <a:t>tải</a:t>
-            </a:r>
-            <a:r>
-              <a:rPr lang="en-US" sz="3000" dirty="0"/>
-              <a:t> </a:t>
-            </a:r>
-            <a:r>
-              <a:rPr lang="en-US" sz="3000" dirty="0" err="1"/>
-              <a:t>và</a:t>
-            </a:r>
-            <a:r>
-              <a:rPr lang="en-US" sz="3000" dirty="0"/>
-              <a:t> </a:t>
-            </a:r>
-            <a:r>
-              <a:rPr lang="en-US" sz="3000" dirty="0" err="1"/>
-              <a:t>lớp</a:t>
-            </a:r>
-            <a:r>
-              <a:rPr lang="en-US" sz="3000" dirty="0"/>
-              <a:t> </a:t>
-            </a:r>
-            <a:r>
-              <a:rPr lang="en-US" sz="3000" dirty="0" err="1"/>
-              <a:t>chống</a:t>
-            </a:r>
-            <a:r>
-              <a:rPr lang="en-US" sz="3000" dirty="0"/>
-              <a:t> </a:t>
-            </a:r>
-            <a:r>
-              <a:rPr lang="en-US" sz="3000" dirty="0" err="1"/>
-              <a:t>phản</a:t>
-            </a:r>
-            <a:r>
-              <a:rPr lang="en-US" sz="3000" dirty="0"/>
-              <a:t> </a:t>
-            </a:r>
-            <a:r>
-              <a:rPr lang="en-US" sz="3000" dirty="0" err="1"/>
-              <a:t>xạ</a:t>
-            </a:r>
-            <a:r>
-              <a:rPr lang="en-US" sz="3000" dirty="0"/>
-              <a:t> </a:t>
-            </a:r>
-            <a:r>
-              <a:rPr lang="en-US" sz="3000" dirty="0" err="1"/>
-              <a:t>của</a:t>
-            </a:r>
-            <a:r>
-              <a:rPr lang="en-US" sz="3000" dirty="0"/>
-              <a:t> pin </a:t>
-            </a:r>
-            <a:r>
-              <a:rPr lang="en-US" sz="3000" dirty="0" err="1"/>
-              <a:t>mặt</a:t>
-            </a:r>
-            <a:r>
-              <a:rPr lang="en-US" sz="3000" dirty="0"/>
-              <a:t> </a:t>
-            </a:r>
-            <a:r>
-              <a:rPr lang="en-US" sz="3000" dirty="0" err="1"/>
-              <a:t>trời</a:t>
-            </a:r>
-            <a:endParaRPr lang="en-US" sz="3000" dirty="0"/>
+              <a:rPr lang="en-US" sz="3200" dirty="0" err="1"/>
+              <a:t>Sản</a:t>
+            </a:r>
+            <a:r>
+              <a:rPr lang="en-US" sz="3200" dirty="0"/>
+              <a:t> </a:t>
+            </a:r>
+            <a:r>
+              <a:rPr lang="en-US" sz="3200" dirty="0" err="1"/>
+              <a:t>xuất</a:t>
+            </a:r>
+            <a:r>
+              <a:rPr lang="en-US" sz="3200" dirty="0"/>
+              <a:t> </a:t>
+            </a:r>
+            <a:r>
+              <a:rPr lang="en-US" sz="3200" dirty="0" err="1"/>
+              <a:t>màng</a:t>
+            </a:r>
+            <a:r>
+              <a:rPr lang="en-US" sz="3200" dirty="0"/>
+              <a:t> </a:t>
+            </a:r>
+            <a:r>
+              <a:rPr lang="en-US" sz="3200" dirty="0" err="1"/>
+              <a:t>dẫn</a:t>
+            </a:r>
+            <a:r>
+              <a:rPr lang="en-US" sz="3200" dirty="0"/>
+              <a:t> </a:t>
+            </a:r>
+            <a:r>
+              <a:rPr lang="en-US" sz="3200" dirty="0" err="1"/>
+              <a:t>điện</a:t>
+            </a:r>
+            <a:r>
+              <a:rPr lang="en-US" sz="3200" dirty="0"/>
+              <a:t> </a:t>
+            </a:r>
+            <a:r>
+              <a:rPr lang="en-US" sz="3200" dirty="0" err="1"/>
+              <a:t>trong</a:t>
+            </a:r>
+            <a:r>
+              <a:rPr lang="en-US" sz="3200" dirty="0"/>
+              <a:t> </a:t>
+            </a:r>
+            <a:r>
+              <a:rPr lang="en-US" sz="3200" dirty="0" err="1"/>
+              <a:t>suốt</a:t>
+            </a:r>
+            <a:endParaRPr lang="en-US" sz="3200" dirty="0"/>
           </a:p>
           <a:p>
             <a:pPr marL="1104900" lvl="2" indent="-323850" algn="just">
@@ -19878,74 +19832,58 @@
               <a:buChar char="•"/>
             </a:pPr>
             <a:r>
-              <a:rPr lang="en-US" sz="3000" dirty="0" err="1"/>
-              <a:t>Phát</a:t>
-            </a:r>
-            <a:r>
-              <a:rPr lang="en-US" sz="3000" dirty="0"/>
-              <a:t> </a:t>
-            </a:r>
-            <a:r>
-              <a:rPr lang="en-US" sz="3000" dirty="0" err="1"/>
-              <a:t>triển</a:t>
-            </a:r>
-            <a:r>
-              <a:rPr lang="en-US" sz="3000" dirty="0"/>
-              <a:t> </a:t>
-            </a:r>
-            <a:r>
-              <a:rPr lang="en-US" sz="3000" dirty="0" err="1"/>
-              <a:t>điện</a:t>
-            </a:r>
-            <a:r>
-              <a:rPr lang="en-US" sz="3000" dirty="0"/>
-              <a:t> </a:t>
-            </a:r>
-            <a:r>
-              <a:rPr lang="en-US" sz="3000" dirty="0" err="1"/>
-              <a:t>cực</a:t>
-            </a:r>
-            <a:r>
-              <a:rPr lang="en-US" sz="3000" dirty="0"/>
-              <a:t> </a:t>
-            </a:r>
-            <a:r>
-              <a:rPr lang="en-US" sz="3000" dirty="0" err="1"/>
-              <a:t>cho</a:t>
-            </a:r>
-            <a:r>
-              <a:rPr lang="en-US" sz="3000" dirty="0"/>
-              <a:t> pin lithium </a:t>
-            </a:r>
-            <a:r>
-              <a:rPr lang="en-US" sz="3000" dirty="0" err="1"/>
+              <a:rPr lang="en-US" sz="3200" dirty="0" err="1"/>
+              <a:t>Lớp</a:t>
+            </a:r>
+            <a:r>
+              <a:rPr lang="en-US" sz="3200" dirty="0"/>
+              <a:t> </a:t>
+            </a:r>
+            <a:r>
+              <a:rPr lang="en-US" sz="3200" dirty="0" err="1"/>
+              <a:t>phủ</a:t>
+            </a:r>
+            <a:r>
+              <a:rPr lang="en-US" sz="3200" dirty="0"/>
+              <a:t> </a:t>
+            </a:r>
+            <a:r>
+              <a:rPr lang="en-US" sz="3200" dirty="0" err="1"/>
+              <a:t>bảo</a:t>
+            </a:r>
+            <a:r>
+              <a:rPr lang="en-US" sz="3200" dirty="0"/>
+              <a:t> </a:t>
+            </a:r>
+            <a:r>
+              <a:rPr lang="en-US" sz="3200" dirty="0" err="1"/>
+              <a:t>vệ</a:t>
+            </a:r>
+            <a:r>
+              <a:rPr lang="en-US" sz="3200" dirty="0"/>
+              <a:t> </a:t>
+            </a:r>
+            <a:r>
+              <a:rPr lang="en-US" sz="3200" dirty="0" err="1"/>
               <a:t>và</a:t>
             </a:r>
             <a:r>
-              <a:rPr lang="en-US" sz="3000" dirty="0"/>
-              <a:t> </a:t>
-            </a:r>
-            <a:r>
-              <a:rPr lang="en-US" sz="3000" dirty="0" err="1"/>
-              <a:t>siêu</a:t>
-            </a:r>
-            <a:r>
-              <a:rPr lang="en-US" sz="3000" dirty="0"/>
-              <a:t> </a:t>
-            </a:r>
-            <a:r>
-              <a:rPr lang="en-US" sz="3000" dirty="0" err="1"/>
-              <a:t>tụ</a:t>
-            </a:r>
-            <a:r>
-              <a:rPr lang="en-US" sz="3000" dirty="0"/>
-              <a:t> </a:t>
-            </a:r>
-            <a:r>
-              <a:rPr lang="en-US" sz="3000" dirty="0" err="1"/>
-              <a:t>điện</a:t>
-            </a:r>
-            <a:endParaRPr lang="en-US" sz="3000" dirty="0"/>
+              <a:rPr lang="en-US" sz="3200" dirty="0"/>
+              <a:t> </a:t>
+            </a:r>
+            <a:r>
+              <a:rPr lang="en-US" sz="3200" dirty="0" err="1"/>
+              <a:t>trang</a:t>
+            </a:r>
+            <a:r>
+              <a:rPr lang="en-US" sz="3200" dirty="0"/>
+              <a:t> </a:t>
+            </a:r>
+            <a:r>
+              <a:rPr lang="en-US" sz="3200" dirty="0" err="1"/>
+              <a:t>trí</a:t>
+            </a:r>
+            <a:endParaRPr lang="en-US" sz="3200" dirty="0"/>
           </a:p>
           <a:p>
             <a:pPr marL="1104900" lvl="2" indent="-323850" algn="just">
@@ -19956,58 +19894,58 @@
               <a:buChar char="•"/>
             </a:pPr>
             <a:r>
-              <a:rPr lang="en-US" sz="3000" dirty="0" err="1"/>
-              <a:t>Sản</a:t>
-            </a:r>
-            <a:r>
-              <a:rPr lang="en-US" sz="3000" dirty="0"/>
-              <a:t> </a:t>
-            </a:r>
-            <a:r>
-              <a:rPr lang="en-US" sz="3000" dirty="0" err="1"/>
-              <a:t>xuất</a:t>
-            </a:r>
-            <a:r>
-              <a:rPr lang="en-US" sz="3000" dirty="0"/>
-              <a:t> </a:t>
-            </a:r>
-            <a:r>
-              <a:rPr lang="en-US" sz="3000" dirty="0" err="1"/>
-              <a:t>màng</a:t>
-            </a:r>
-            <a:r>
-              <a:rPr lang="en-US" sz="3000" dirty="0"/>
-              <a:t> </a:t>
-            </a:r>
-            <a:r>
-              <a:rPr lang="en-US" sz="3000" dirty="0" err="1"/>
-              <a:t>dẫn</a:t>
-            </a:r>
-            <a:r>
-              <a:rPr lang="en-US" sz="3000" dirty="0"/>
-              <a:t> </a:t>
-            </a:r>
-            <a:r>
-              <a:rPr lang="en-US" sz="3000" dirty="0" err="1"/>
-              <a:t>điện</a:t>
-            </a:r>
-            <a:r>
-              <a:rPr lang="en-US" sz="3000" dirty="0"/>
-              <a:t> </a:t>
-            </a:r>
-            <a:r>
-              <a:rPr lang="en-US" sz="3000" dirty="0" err="1"/>
-              <a:t>trong</a:t>
-            </a:r>
-            <a:r>
-              <a:rPr lang="en-US" sz="3000" dirty="0"/>
-              <a:t> </a:t>
-            </a:r>
-            <a:r>
-              <a:rPr lang="en-US" sz="3000" dirty="0" err="1"/>
-              <a:t>suốt</a:t>
-            </a:r>
-            <a:endParaRPr lang="en-US" sz="3000" dirty="0"/>
+              <a:rPr lang="en-US" sz="3200" dirty="0" err="1"/>
+              <a:t>Cảm</a:t>
+            </a:r>
+            <a:r>
+              <a:rPr lang="en-US" sz="3200" dirty="0"/>
+              <a:t> </a:t>
+            </a:r>
+            <a:r>
+              <a:rPr lang="en-US" sz="3200" dirty="0" err="1"/>
+              <a:t>biến</a:t>
+            </a:r>
+            <a:r>
+              <a:rPr lang="en-US" sz="3200" dirty="0"/>
+              <a:t> </a:t>
+            </a:r>
+            <a:r>
+              <a:rPr lang="en-US" sz="3200" dirty="0" err="1"/>
+              <a:t>hóa</a:t>
+            </a:r>
+            <a:r>
+              <a:rPr lang="en-US" sz="3200" dirty="0"/>
+              <a:t> </a:t>
+            </a:r>
+            <a:r>
+              <a:rPr lang="en-US" sz="3200" dirty="0" err="1"/>
+              <a:t>học</a:t>
+            </a:r>
+            <a:r>
+              <a:rPr lang="en-US" sz="3200" dirty="0"/>
+              <a:t> </a:t>
+            </a:r>
+            <a:r>
+              <a:rPr lang="en-US" sz="3200" dirty="0" err="1"/>
+              <a:t>và</a:t>
+            </a:r>
+            <a:r>
+              <a:rPr lang="en-US" sz="3200" dirty="0"/>
+              <a:t> </a:t>
+            </a:r>
+            <a:r>
+              <a:rPr lang="en-US" sz="3200" dirty="0" err="1"/>
+              <a:t>sinh</a:t>
+            </a:r>
+            <a:r>
+              <a:rPr lang="en-US" sz="3200" dirty="0"/>
+              <a:t> </a:t>
+            </a:r>
+            <a:r>
+              <a:rPr lang="en-US" sz="3200" dirty="0" err="1"/>
+              <a:t>học</a:t>
+            </a:r>
+            <a:endParaRPr lang="en-US" sz="3200" dirty="0"/>
           </a:p>
           <a:p>
             <a:pPr marL="1104900" lvl="2" indent="-323850" algn="just">
@@ -20018,37 +19956,138 @@
               <a:buChar char="•"/>
             </a:pPr>
             <a:r>
-              <a:rPr lang="en-US" sz="3000" dirty="0" err="1"/>
+              <a:rPr lang="en-US" sz="3200" dirty="0" err="1"/>
+              <a:t>Màng</a:t>
+            </a:r>
+            <a:r>
+              <a:rPr lang="en-US" sz="3200" dirty="0"/>
+              <a:t> </a:t>
+            </a:r>
+            <a:r>
+              <a:rPr lang="en-US" sz="3200" dirty="0" err="1"/>
+              <a:t>quang</a:t>
+            </a:r>
+            <a:r>
+              <a:rPr lang="en-US" sz="3200" dirty="0"/>
+              <a:t> </a:t>
+            </a:r>
+            <a:r>
+              <a:rPr lang="en-US" sz="3200" dirty="0" err="1"/>
+              <a:t>xúc</a:t>
+            </a:r>
+            <a:r>
+              <a:rPr lang="en-US" sz="3200" dirty="0"/>
+              <a:t> </a:t>
+            </a:r>
+            <a:r>
+              <a:rPr lang="en-US" sz="3200" dirty="0" err="1"/>
+              <a:t>tác</a:t>
+            </a:r>
+            <a:endParaRPr lang="en-US" sz="3200" dirty="0"/>
+          </a:p>
+          <a:p>
+            <a:pPr marL="1104900" lvl="2" indent="-323850" algn="just">
+              <a:lnSpc>
+                <a:spcPts val="4500"/>
+              </a:lnSpc>
+              <a:buFont typeface="Arial"/>
+              <a:buChar char="•"/>
+            </a:pPr>
+            <a:r>
+              <a:rPr lang="en-US" sz="3200" dirty="0" err="1"/>
               <a:t>Nghiên</a:t>
             </a:r>
             <a:r>
-              <a:rPr lang="en-US" sz="3000" dirty="0"/>
-              <a:t> </a:t>
-            </a:r>
-            <a:r>
-              <a:rPr lang="en-US" sz="3000" dirty="0" err="1"/>
+              <a:rPr lang="en-US" sz="3200" dirty="0"/>
+              <a:t> </a:t>
+            </a:r>
+            <a:r>
+              <a:rPr lang="en-US" sz="3200" dirty="0" err="1"/>
               <a:t>cứu</a:t>
             </a:r>
             <a:r>
-              <a:rPr lang="en-US" sz="3000" dirty="0"/>
-              <a:t> </a:t>
-            </a:r>
-            <a:r>
-              <a:rPr lang="en-US" sz="3000" dirty="0" err="1"/>
+              <a:rPr lang="en-US" sz="3200" dirty="0"/>
+              <a:t> </a:t>
+            </a:r>
+            <a:r>
+              <a:rPr lang="en-US" sz="3200" dirty="0" err="1"/>
+              <a:t>và</a:t>
+            </a:r>
+            <a:r>
+              <a:rPr lang="en-US" sz="3200" dirty="0"/>
+              <a:t> </a:t>
+            </a:r>
+            <a:r>
+              <a:rPr lang="en-US" sz="3200" dirty="0" err="1"/>
+              <a:t>phát</a:t>
+            </a:r>
+            <a:r>
+              <a:rPr lang="en-US" sz="3200" dirty="0"/>
+              <a:t> </a:t>
+            </a:r>
+            <a:r>
+              <a:rPr lang="en-US" sz="3200" dirty="0" err="1"/>
+              <a:t>triển</a:t>
+            </a:r>
+            <a:r>
+              <a:rPr lang="en-US" sz="3200" dirty="0"/>
+              <a:t> </a:t>
+            </a:r>
+            <a:r>
+              <a:rPr lang="en-US" sz="3200" dirty="0" err="1"/>
               <a:t>vật</a:t>
             </a:r>
             <a:r>
-              <a:rPr lang="en-US" sz="3000" dirty="0"/>
-              <a:t> </a:t>
-            </a:r>
-            <a:r>
-              <a:rPr lang="en-US" sz="3000" dirty="0" err="1"/>
+              <a:rPr lang="en-US" sz="3200" dirty="0"/>
+              <a:t> </a:t>
+            </a:r>
+            <a:r>
+              <a:rPr lang="en-US" sz="3200" dirty="0" err="1"/>
               <a:t>liệu</a:t>
             </a:r>
             <a:r>
-              <a:rPr lang="en-US" sz="3000" dirty="0"/>
-              <a:t> nano</a:t>
-            </a:r>
+              <a:rPr lang="en-US" sz="3200" dirty="0"/>
+              <a:t> </a:t>
+            </a:r>
+            <a:r>
+              <a:rPr lang="en-US" sz="3200" dirty="0" err="1"/>
+              <a:t>mới</a:t>
+            </a:r>
+            <a:endParaRPr lang="en-US" sz="3200" dirty="0"/>
+          </a:p>
+          <a:p>
+            <a:pPr marL="1104900" lvl="2" indent="-323850" algn="just">
+              <a:lnSpc>
+                <a:spcPts val="4500"/>
+              </a:lnSpc>
+              <a:buFont typeface="Arial"/>
+              <a:buChar char="•"/>
+            </a:pPr>
+            <a:r>
+              <a:rPr lang="en-US" sz="3200" dirty="0"/>
+              <a:t>In </a:t>
+            </a:r>
+            <a:r>
+              <a:rPr lang="en-US" sz="3200" dirty="0" err="1"/>
+              <a:t>ấn</a:t>
+            </a:r>
+            <a:r>
+              <a:rPr lang="en-US" sz="3200" dirty="0"/>
+              <a:t> </a:t>
+            </a:r>
+            <a:r>
+              <a:rPr lang="en-US" sz="3200" dirty="0" err="1"/>
+              <a:t>điện</a:t>
+            </a:r>
+            <a:r>
+              <a:rPr lang="en-US" sz="3200" dirty="0"/>
+              <a:t> </a:t>
+            </a:r>
+            <a:r>
+              <a:rPr lang="en-US" sz="3200" dirty="0" err="1"/>
+              <a:t>tử</a:t>
+            </a:r>
+            <a:endParaRPr lang="en-US" sz="3200" dirty="0"/>
           </a:p>
           <a:p>
             <a:pPr marL="1104900" lvl="2" indent="-323850" algn="just">
@@ -20253,8 +20292,8 @@
         </p:blipFill>
         <p:spPr bwMode="auto">
           <a:xfrm>
-            <a:off x="8534400" y="1375499"/>
-            <a:ext cx="9372600" cy="7343775"/>
+            <a:off x="5486400" y="-100093"/>
+            <a:ext cx="13434514" cy="10526434"/>
           </a:xfrm>
           <a:prstGeom prst="rect">
             <a:avLst/>
@@ -20285,8 +20324,8 @@
         </p:nvSpPr>
         <p:spPr>
           <a:xfrm>
-            <a:off x="1143000" y="2705100"/>
-            <a:ext cx="7239000" cy="4893647"/>
+            <a:off x="914400" y="2628900"/>
+            <a:ext cx="4724400" cy="3046988"/>
           </a:xfrm>
           <a:prstGeom prst="rect">
             <a:avLst/>
@@ -20303,787 +20342,42 @@
               <a:buAutoNum type="arabicPeriod"/>
             </a:pPr>
             <a:r>
-              <a:rPr lang="en-US" sz="2400" dirty="0"/>
-              <a:t>Doctor Blade Coating </a:t>
-            </a:r>
-            <a:r>
-              <a:rPr lang="en-US" sz="2400" dirty="0" err="1"/>
-              <a:t>là</a:t>
-            </a:r>
-            <a:r>
-              <a:rPr lang="en-US" sz="2400" dirty="0"/>
-              <a:t> </a:t>
-            </a:r>
-            <a:r>
-              <a:rPr lang="en-US" sz="2400" dirty="0" err="1"/>
-              <a:t>phương</a:t>
-            </a:r>
-            <a:r>
-              <a:rPr lang="en-US" sz="2400" dirty="0"/>
-              <a:t> </a:t>
-            </a:r>
-            <a:r>
-              <a:rPr lang="en-US" sz="2400" dirty="0" err="1"/>
-              <a:t>pháp</a:t>
-            </a:r>
-            <a:r>
-              <a:rPr lang="en-US" sz="2400" dirty="0"/>
-              <a:t> </a:t>
-            </a:r>
-            <a:r>
-              <a:rPr lang="en-US" sz="2400" dirty="0" err="1"/>
-              <a:t>đơn</a:t>
-            </a:r>
-            <a:r>
-              <a:rPr lang="en-US" sz="2400" dirty="0"/>
-              <a:t> </a:t>
-            </a:r>
-            <a:r>
-              <a:rPr lang="en-US" sz="2400" dirty="0" err="1"/>
-              <a:t>giản</a:t>
-            </a:r>
-            <a:r>
-              <a:rPr lang="en-US" sz="2400" dirty="0"/>
-              <a:t>, chi </a:t>
-            </a:r>
-            <a:r>
-              <a:rPr lang="en-US" sz="2400" dirty="0" err="1"/>
-              <a:t>phí</a:t>
-            </a:r>
-            <a:r>
-              <a:rPr lang="en-US" sz="2400" dirty="0"/>
-              <a:t> </a:t>
-            </a:r>
-            <a:r>
-              <a:rPr lang="en-US" sz="2400" dirty="0" err="1"/>
-              <a:t>thấp</a:t>
-            </a:r>
-            <a:r>
-              <a:rPr lang="en-US" sz="2400" dirty="0"/>
-              <a:t> </a:t>
-            </a:r>
-            <a:r>
-              <a:rPr lang="en-US" sz="2400" dirty="0" err="1"/>
-              <a:t>và</a:t>
-            </a:r>
-            <a:r>
-              <a:rPr lang="en-US" sz="2400" dirty="0"/>
-              <a:t> </a:t>
-            </a:r>
-            <a:r>
-              <a:rPr lang="en-US" sz="2400" dirty="0" err="1"/>
-              <a:t>dễ</a:t>
-            </a:r>
-            <a:r>
-              <a:rPr lang="en-US" sz="2400" dirty="0"/>
-              <a:t> </a:t>
-            </a:r>
-            <a:r>
-              <a:rPr lang="en-US" sz="2400" dirty="0" err="1"/>
-              <a:t>mở</a:t>
-            </a:r>
-            <a:r>
-              <a:rPr lang="en-US" sz="2400" dirty="0"/>
-              <a:t> </a:t>
-            </a:r>
-            <a:r>
-              <a:rPr lang="en-US" sz="2400" dirty="0" err="1"/>
-              <a:t>rộng</a:t>
-            </a:r>
-            <a:r>
-              <a:rPr lang="en-US" sz="2400" dirty="0"/>
-              <a:t> </a:t>
-            </a:r>
-            <a:r>
-              <a:rPr lang="en-US" sz="2400" dirty="0" err="1"/>
-              <a:t>quy</a:t>
-            </a:r>
-            <a:r>
-              <a:rPr lang="en-US" sz="2400" dirty="0"/>
-              <a:t> </a:t>
-            </a:r>
-            <a:r>
-              <a:rPr lang="en-US" sz="2400" dirty="0" err="1"/>
-              <a:t>mô</a:t>
-            </a:r>
-            <a:r>
-              <a:rPr lang="en-US" sz="2400" dirty="0"/>
-              <a:t>, </a:t>
-            </a:r>
-            <a:r>
-              <a:rPr lang="en-US" sz="2400" dirty="0" err="1"/>
-              <a:t>phù</a:t>
-            </a:r>
-            <a:r>
-              <a:rPr lang="en-US" sz="2400" dirty="0"/>
-              <a:t> </a:t>
-            </a:r>
-            <a:r>
-              <a:rPr lang="en-US" sz="2400" dirty="0" err="1"/>
-              <a:t>hợp</a:t>
-            </a:r>
-            <a:r>
-              <a:rPr lang="en-US" sz="2400" dirty="0"/>
-              <a:t> </a:t>
-            </a:r>
-            <a:r>
-              <a:rPr lang="en-US" sz="2400" dirty="0" err="1"/>
-              <a:t>cho</a:t>
-            </a:r>
-            <a:r>
-              <a:rPr lang="en-US" sz="2400" dirty="0"/>
-              <a:t> </a:t>
-            </a:r>
-            <a:r>
-              <a:rPr lang="en-US" sz="2400" dirty="0" err="1"/>
-              <a:t>các</a:t>
-            </a:r>
-            <a:r>
-              <a:rPr lang="en-US" sz="2400" dirty="0"/>
-              <a:t> </a:t>
-            </a:r>
-            <a:r>
-              <a:rPr lang="en-US" sz="2400" dirty="0" err="1"/>
-              <a:t>ứng</a:t>
-            </a:r>
-            <a:r>
-              <a:rPr lang="en-US" sz="2400" dirty="0"/>
-              <a:t> </a:t>
-            </a:r>
-            <a:r>
-              <a:rPr lang="en-US" sz="2400" dirty="0" err="1"/>
-              <a:t>dụng</a:t>
-            </a:r>
-            <a:r>
-              <a:rPr lang="en-US" sz="2400" dirty="0"/>
-              <a:t> </a:t>
-            </a:r>
-            <a:r>
-              <a:rPr lang="en-US" sz="2400" dirty="0" err="1"/>
-              <a:t>cần</a:t>
-            </a:r>
-            <a:r>
-              <a:rPr lang="en-US" sz="2400" dirty="0"/>
-              <a:t> </a:t>
-            </a:r>
-            <a:r>
-              <a:rPr lang="en-US" sz="2400" dirty="0" err="1"/>
-              <a:t>màng</a:t>
-            </a:r>
-            <a:r>
-              <a:rPr lang="en-US" sz="2400" dirty="0"/>
-              <a:t> </a:t>
-            </a:r>
-            <a:r>
-              <a:rPr lang="en-US" sz="2400" dirty="0" err="1"/>
-              <a:t>mỏng</a:t>
-            </a:r>
-            <a:r>
-              <a:rPr lang="en-US" sz="2400" dirty="0"/>
-              <a:t> </a:t>
-            </a:r>
-            <a:r>
-              <a:rPr lang="en-US" sz="2400" dirty="0" err="1"/>
-              <a:t>dày</a:t>
-            </a:r>
-            <a:r>
-              <a:rPr lang="en-US" sz="2400" dirty="0"/>
-              <a:t> </a:t>
-            </a:r>
-            <a:r>
-              <a:rPr lang="en-US" sz="2400" dirty="0" err="1"/>
-              <a:t>và</a:t>
-            </a:r>
-            <a:r>
-              <a:rPr lang="en-US" sz="2400" dirty="0"/>
-              <a:t> dung </a:t>
-            </a:r>
-            <a:r>
-              <a:rPr lang="en-US" sz="2400" dirty="0" err="1"/>
-              <a:t>dịch</a:t>
-            </a:r>
-            <a:r>
-              <a:rPr lang="en-US" sz="2400" dirty="0"/>
-              <a:t> </a:t>
-            </a:r>
-            <a:r>
-              <a:rPr lang="en-US" sz="2400" dirty="0" err="1"/>
-              <a:t>có</a:t>
-            </a:r>
-            <a:r>
-              <a:rPr lang="en-US" sz="2400" dirty="0"/>
-              <a:t> </a:t>
-            </a:r>
-            <a:r>
-              <a:rPr lang="en-US" sz="2400" dirty="0" err="1"/>
-              <a:t>độ</a:t>
-            </a:r>
-            <a:r>
-              <a:rPr lang="en-US" sz="2400" dirty="0"/>
-              <a:t> </a:t>
-            </a:r>
-            <a:r>
-              <a:rPr lang="en-US" sz="2400" dirty="0" err="1"/>
-              <a:t>nhớt</a:t>
-            </a:r>
-            <a:r>
-              <a:rPr lang="en-US" sz="2400" dirty="0"/>
-              <a:t> </a:t>
-            </a:r>
-            <a:r>
-              <a:rPr lang="en-US" sz="2400" dirty="0" err="1"/>
-              <a:t>cao</a:t>
-            </a:r>
-            <a:r>
-              <a:rPr lang="en-US" sz="2400" dirty="0"/>
-              <a:t>. Tuy </a:t>
-            </a:r>
-            <a:r>
-              <a:rPr lang="en-US" sz="2400" dirty="0" err="1"/>
-              <a:t>nhiên</a:t>
-            </a:r>
-            <a:r>
-              <a:rPr lang="en-US" sz="2400" dirty="0"/>
-              <a:t>, </a:t>
-            </a:r>
-            <a:r>
-              <a:rPr lang="en-US" sz="2400" dirty="0" err="1"/>
-              <a:t>nó</a:t>
-            </a:r>
-            <a:r>
-              <a:rPr lang="en-US" sz="2400" dirty="0"/>
-              <a:t> </a:t>
-            </a:r>
-            <a:r>
-              <a:rPr lang="en-US" sz="2400" dirty="0" err="1"/>
-              <a:t>không</a:t>
-            </a:r>
-            <a:r>
-              <a:rPr lang="en-US" sz="2400" dirty="0"/>
-              <a:t> </a:t>
-            </a:r>
-            <a:r>
-              <a:rPr lang="en-US" sz="2400" dirty="0" err="1"/>
-              <a:t>chính</a:t>
-            </a:r>
-            <a:r>
-              <a:rPr lang="en-US" sz="2400" dirty="0"/>
-              <a:t> </a:t>
-            </a:r>
-            <a:r>
-              <a:rPr lang="en-US" sz="2400" dirty="0" err="1"/>
-              <a:t>xác</a:t>
-            </a:r>
-            <a:r>
-              <a:rPr lang="en-US" sz="2400" dirty="0"/>
-              <a:t> </a:t>
-            </a:r>
-            <a:r>
-              <a:rPr lang="en-US" sz="2400" dirty="0" err="1"/>
-              <a:t>như</a:t>
-            </a:r>
-            <a:r>
-              <a:rPr lang="en-US" sz="2400" dirty="0"/>
-              <a:t> Spin Coating hay Slot Die Coating </a:t>
-            </a:r>
-            <a:r>
-              <a:rPr lang="en-US" sz="2400" dirty="0" err="1"/>
-              <a:t>trong</a:t>
-            </a:r>
-            <a:r>
-              <a:rPr lang="en-US" sz="2400" dirty="0"/>
-              <a:t> </a:t>
-            </a:r>
-            <a:r>
-              <a:rPr lang="en-US" sz="2400" dirty="0" err="1"/>
-              <a:t>việc</a:t>
-            </a:r>
-            <a:r>
-              <a:rPr lang="en-US" sz="2400" dirty="0"/>
-              <a:t> </a:t>
-            </a:r>
-            <a:r>
-              <a:rPr lang="en-US" sz="2400" dirty="0" err="1"/>
-              <a:t>tạo</a:t>
-            </a:r>
-            <a:r>
-              <a:rPr lang="en-US" sz="2400" dirty="0"/>
-              <a:t> </a:t>
-            </a:r>
-            <a:r>
-              <a:rPr lang="en-US" sz="2400" dirty="0" err="1"/>
-              <a:t>màng</a:t>
-            </a:r>
-            <a:r>
-              <a:rPr lang="en-US" sz="2400" dirty="0"/>
-              <a:t> </a:t>
-            </a:r>
-            <a:r>
-              <a:rPr lang="en-US" sz="2400" dirty="0" err="1"/>
-              <a:t>mỏng</a:t>
-            </a:r>
-            <a:r>
-              <a:rPr lang="en-US" sz="2400" dirty="0"/>
-              <a:t> </a:t>
-            </a:r>
-            <a:r>
-              <a:rPr lang="en-US" sz="2400" dirty="0" err="1"/>
-              <a:t>đồng</a:t>
-            </a:r>
-            <a:r>
-              <a:rPr lang="en-US" sz="2400" dirty="0"/>
-              <a:t> </a:t>
-            </a:r>
-            <a:r>
-              <a:rPr lang="en-US" sz="2400" dirty="0" err="1"/>
-              <a:t>đều</a:t>
-            </a:r>
-            <a:r>
-              <a:rPr lang="en-US" sz="2400" dirty="0"/>
-              <a:t> </a:t>
-            </a:r>
-            <a:r>
-              <a:rPr lang="en-US" sz="2400" dirty="0" err="1"/>
-              <a:t>và</a:t>
-            </a:r>
-            <a:r>
-              <a:rPr lang="en-US" sz="2400" dirty="0"/>
-              <a:t> </a:t>
-            </a:r>
-            <a:r>
-              <a:rPr lang="en-US" sz="2400" dirty="0" err="1"/>
-              <a:t>mỏng</a:t>
-            </a:r>
-            <a:r>
-              <a:rPr lang="en-US" sz="2400" dirty="0"/>
-              <a:t>.</a:t>
-            </a:r>
+              <a:rPr lang="vi-VN" sz="2400" b="1" dirty="0"/>
+              <a:t>Dip Coating, Spray Coating</a:t>
+            </a:r>
+            <a:r>
+              <a:rPr lang="vi-VN" sz="2400" dirty="0"/>
+              <a:t>: Ít lãng phí hơn, dễ kiểm soát hơn nhưng kém linh hoạt.</a:t>
+            </a:r>
+            <a:endParaRPr lang="en-US" sz="2400" dirty="0"/>
           </a:p>
           <a:p>
             <a:pPr marL="342900" indent="-342900">
               <a:buAutoNum type="arabicPeriod"/>
             </a:pPr>
             <a:r>
-              <a:rPr lang="en-US" sz="2400" dirty="0"/>
-              <a:t>So </a:t>
-            </a:r>
-            <a:r>
-              <a:rPr lang="en-US" sz="2400" dirty="0" err="1"/>
-              <a:t>với</a:t>
-            </a:r>
-            <a:r>
-              <a:rPr lang="en-US" sz="2400" dirty="0"/>
-              <a:t> Dip Coating </a:t>
-            </a:r>
-            <a:r>
-              <a:rPr lang="en-US" sz="2400" dirty="0" err="1"/>
-              <a:t>và</a:t>
-            </a:r>
-            <a:r>
-              <a:rPr lang="en-US" sz="2400" dirty="0"/>
-              <a:t> Spray Coating, Doctor Blade Coating </a:t>
-            </a:r>
-            <a:r>
-              <a:rPr lang="en-US" sz="2400" dirty="0" err="1"/>
-              <a:t>ít</a:t>
-            </a:r>
-            <a:r>
-              <a:rPr lang="en-US" sz="2400" dirty="0"/>
-              <a:t> </a:t>
-            </a:r>
-            <a:r>
-              <a:rPr lang="en-US" sz="2400" dirty="0" err="1"/>
-              <a:t>lãng</a:t>
-            </a:r>
-            <a:r>
-              <a:rPr lang="en-US" sz="2400" dirty="0"/>
-              <a:t> </a:t>
-            </a:r>
-            <a:r>
-              <a:rPr lang="en-US" sz="2400" dirty="0" err="1"/>
-              <a:t>phí</a:t>
-            </a:r>
-            <a:r>
-              <a:rPr lang="en-US" sz="2400" dirty="0"/>
-              <a:t> dung </a:t>
-            </a:r>
-            <a:r>
-              <a:rPr lang="en-US" sz="2400" dirty="0" err="1"/>
-              <a:t>dịch</a:t>
-            </a:r>
-            <a:r>
-              <a:rPr lang="en-US" sz="2400" dirty="0"/>
-              <a:t> </a:t>
-            </a:r>
-            <a:r>
-              <a:rPr lang="en-US" sz="2400" dirty="0" err="1"/>
-              <a:t>hơn</a:t>
-            </a:r>
-            <a:r>
-              <a:rPr lang="en-US" sz="2400" dirty="0"/>
-              <a:t> </a:t>
-            </a:r>
-            <a:r>
-              <a:rPr lang="en-US" sz="2400" dirty="0" err="1"/>
-              <a:t>và</a:t>
-            </a:r>
-            <a:r>
-              <a:rPr lang="en-US" sz="2400" dirty="0"/>
-              <a:t> </a:t>
-            </a:r>
-            <a:r>
-              <a:rPr lang="en-US" sz="2400" dirty="0" err="1"/>
-              <a:t>dễ</a:t>
-            </a:r>
-            <a:r>
-              <a:rPr lang="en-US" sz="2400" dirty="0"/>
-              <a:t> </a:t>
-            </a:r>
-            <a:r>
-              <a:rPr lang="en-US" sz="2400" dirty="0" err="1"/>
-              <a:t>kiểm</a:t>
-            </a:r>
-            <a:r>
-              <a:rPr lang="en-US" sz="2400" dirty="0"/>
-              <a:t> </a:t>
-            </a:r>
-            <a:r>
-              <a:rPr lang="en-US" sz="2400" dirty="0" err="1"/>
-              <a:t>soát</a:t>
-            </a:r>
-            <a:r>
-              <a:rPr lang="en-US" sz="2400" dirty="0"/>
-              <a:t> </a:t>
-            </a:r>
-            <a:r>
-              <a:rPr lang="en-US" sz="2400" dirty="0" err="1"/>
-              <a:t>hơn</a:t>
-            </a:r>
-            <a:r>
-              <a:rPr lang="en-US" sz="2400" dirty="0"/>
-              <a:t>, </a:t>
-            </a:r>
-            <a:r>
-              <a:rPr lang="en-US" sz="2400" dirty="0" err="1"/>
-              <a:t>nhưng</a:t>
-            </a:r>
-            <a:r>
-              <a:rPr lang="en-US" sz="2400" dirty="0"/>
-              <a:t> </a:t>
-            </a:r>
-            <a:r>
-              <a:rPr lang="en-US" sz="2400" dirty="0" err="1"/>
-              <a:t>không</a:t>
-            </a:r>
-            <a:r>
-              <a:rPr lang="en-US" sz="2400" dirty="0"/>
-              <a:t> </a:t>
-            </a:r>
-            <a:r>
-              <a:rPr lang="en-US" sz="2400" dirty="0" err="1"/>
-              <a:t>linh</a:t>
-            </a:r>
-            <a:r>
-              <a:rPr lang="en-US" sz="2400" dirty="0"/>
-              <a:t> </a:t>
-            </a:r>
-            <a:r>
-              <a:rPr lang="en-US" sz="2400" dirty="0" err="1"/>
-              <a:t>hoạt</a:t>
-            </a:r>
-            <a:r>
-              <a:rPr lang="en-US" sz="2400" dirty="0"/>
-              <a:t> </a:t>
-            </a:r>
-            <a:r>
-              <a:rPr lang="en-US" sz="2400" dirty="0" err="1"/>
-              <a:t>bằng</a:t>
-            </a:r>
-            <a:r>
-              <a:rPr lang="en-US" sz="2400" dirty="0"/>
-              <a:t> </a:t>
-            </a:r>
-            <a:r>
-              <a:rPr lang="en-US" sz="2400" dirty="0" err="1"/>
-              <a:t>trong</a:t>
-            </a:r>
-            <a:r>
-              <a:rPr lang="en-US" sz="2400" dirty="0"/>
-              <a:t> </a:t>
-            </a:r>
-            <a:r>
-              <a:rPr lang="en-US" sz="2400" dirty="0" err="1"/>
-              <a:t>việc</a:t>
-            </a:r>
-            <a:r>
-              <a:rPr lang="en-US" sz="2400" dirty="0"/>
-              <a:t> </a:t>
-            </a:r>
-            <a:r>
-              <a:rPr lang="en-US" sz="2400" dirty="0" err="1"/>
-              <a:t>phủ</a:t>
-            </a:r>
-            <a:r>
-              <a:rPr lang="en-US" sz="2400" dirty="0"/>
-              <a:t> </a:t>
-            </a:r>
-            <a:r>
-              <a:rPr lang="en-US" sz="2400" dirty="0" err="1"/>
-              <a:t>trên</a:t>
-            </a:r>
-            <a:r>
-              <a:rPr lang="en-US" sz="2400" dirty="0"/>
-              <a:t> </a:t>
-            </a:r>
-            <a:r>
-              <a:rPr lang="en-US" sz="2400" dirty="0" err="1"/>
-              <a:t>bề</a:t>
-            </a:r>
-            <a:r>
-              <a:rPr lang="en-US" sz="2400" dirty="0"/>
-              <a:t> </a:t>
-            </a:r>
-            <a:r>
-              <a:rPr lang="en-US" sz="2400" dirty="0" err="1"/>
-              <a:t>mặt</a:t>
-            </a:r>
-            <a:r>
-              <a:rPr lang="en-US" sz="2400" dirty="0"/>
-              <a:t> </a:t>
-            </a:r>
-            <a:r>
-              <a:rPr lang="en-US" sz="2400" dirty="0" err="1"/>
-              <a:t>phức</a:t>
-            </a:r>
-            <a:r>
-              <a:rPr lang="en-US" sz="2400" dirty="0"/>
-              <a:t> </a:t>
-            </a:r>
-            <a:r>
-              <a:rPr lang="en-US" sz="2400" dirty="0" err="1"/>
-              <a:t>tạp</a:t>
-            </a:r>
-            <a:r>
-              <a:rPr lang="en-US" sz="2400" dirty="0"/>
-              <a:t>.</a:t>
-            </a:r>
+              <a:rPr lang="vi-VN" sz="2400" b="1" dirty="0"/>
+              <a:t>Bar Coating</a:t>
+            </a:r>
+            <a:r>
+              <a:rPr lang="vi-VN" sz="2400" dirty="0"/>
+              <a:t>: Tương tự nhưng ít phổ biến.</a:t>
+            </a:r>
+            <a:endParaRPr lang="en-US" sz="2400" dirty="0"/>
           </a:p>
           <a:p>
             <a:pPr marL="342900" indent="-342900">
               <a:buAutoNum type="arabicPeriod"/>
             </a:pPr>
             <a:r>
-              <a:rPr lang="en-US" sz="2400" dirty="0"/>
-              <a:t>Bar Coating </a:t>
-            </a:r>
-            <a:r>
-              <a:rPr lang="en-US" sz="2400" dirty="0" err="1"/>
-              <a:t>tương</a:t>
-            </a:r>
-            <a:r>
-              <a:rPr lang="en-US" sz="2400" dirty="0"/>
-              <a:t> </a:t>
-            </a:r>
-            <a:r>
-              <a:rPr lang="en-US" sz="2400" dirty="0" err="1"/>
-              <a:t>tự</a:t>
-            </a:r>
-            <a:r>
-              <a:rPr lang="en-US" sz="2400" dirty="0"/>
-              <a:t> </a:t>
-            </a:r>
-            <a:r>
-              <a:rPr lang="en-US" sz="2400" dirty="0" err="1"/>
-              <a:t>nhưng</a:t>
-            </a:r>
-            <a:r>
-              <a:rPr lang="en-US" sz="2400" dirty="0"/>
-              <a:t> </a:t>
-            </a:r>
-            <a:r>
-              <a:rPr lang="en-US" sz="2400" dirty="0" err="1"/>
-              <a:t>ít</a:t>
-            </a:r>
-            <a:r>
-              <a:rPr lang="en-US" sz="2400" dirty="0"/>
-              <a:t> </a:t>
-            </a:r>
-            <a:r>
-              <a:rPr lang="en-US" sz="2400" dirty="0" err="1"/>
-              <a:t>được</a:t>
-            </a:r>
-            <a:r>
-              <a:rPr lang="en-US" sz="2400" dirty="0"/>
-              <a:t> </a:t>
-            </a:r>
-            <a:r>
-              <a:rPr lang="en-US" sz="2400" dirty="0" err="1"/>
-              <a:t>sử</a:t>
-            </a:r>
-            <a:r>
-              <a:rPr lang="en-US" sz="2400" dirty="0"/>
-              <a:t> </a:t>
-            </a:r>
-            <a:r>
-              <a:rPr lang="en-US" sz="2400" dirty="0" err="1"/>
-              <a:t>dụng</a:t>
-            </a:r>
-            <a:r>
-              <a:rPr lang="en-US" sz="2400" dirty="0"/>
-              <a:t> </a:t>
-            </a:r>
-            <a:r>
-              <a:rPr lang="en-US" sz="2400" dirty="0" err="1"/>
-              <a:t>hơn</a:t>
-            </a:r>
-            <a:r>
-              <a:rPr lang="en-US" sz="2400" dirty="0"/>
-              <a:t>, </a:t>
-            </a:r>
-            <a:r>
-              <a:rPr lang="en-US" sz="2400" dirty="0" err="1"/>
-              <a:t>trong</a:t>
-            </a:r>
-            <a:r>
-              <a:rPr lang="en-US" sz="2400" dirty="0"/>
-              <a:t> </a:t>
-            </a:r>
-            <a:r>
-              <a:rPr lang="en-US" sz="2400" dirty="0" err="1"/>
-              <a:t>khi</a:t>
-            </a:r>
-            <a:r>
-              <a:rPr lang="en-US" sz="2400" dirty="0"/>
-              <a:t> Slot Die Coating </a:t>
-            </a:r>
-            <a:r>
-              <a:rPr lang="en-US" sz="2400" dirty="0" err="1"/>
-              <a:t>là</a:t>
-            </a:r>
-            <a:r>
-              <a:rPr lang="en-US" sz="2400" dirty="0"/>
-              <a:t> </a:t>
-            </a:r>
-            <a:r>
-              <a:rPr lang="en-US" sz="2400" dirty="0" err="1"/>
-              <a:t>phương</a:t>
-            </a:r>
-            <a:r>
-              <a:rPr lang="en-US" sz="2400" dirty="0"/>
-              <a:t> </a:t>
-            </a:r>
-            <a:r>
-              <a:rPr lang="en-US" sz="2400" dirty="0" err="1"/>
-              <a:t>pháp</a:t>
-            </a:r>
-            <a:r>
-              <a:rPr lang="en-US" sz="2400" dirty="0"/>
-              <a:t> </a:t>
-            </a:r>
-            <a:r>
-              <a:rPr lang="en-US" sz="2400" dirty="0" err="1"/>
-              <a:t>cao</a:t>
-            </a:r>
-            <a:r>
-              <a:rPr lang="en-US" sz="2400" dirty="0"/>
-              <a:t> </a:t>
-            </a:r>
-            <a:r>
-              <a:rPr lang="en-US" sz="2400" dirty="0" err="1"/>
-              <a:t>cấp</a:t>
-            </a:r>
-            <a:r>
-              <a:rPr lang="en-US" sz="2400" dirty="0"/>
-              <a:t> </a:t>
-            </a:r>
-            <a:r>
-              <a:rPr lang="en-US" sz="2400" dirty="0" err="1"/>
-              <a:t>hơn</a:t>
-            </a:r>
-            <a:r>
-              <a:rPr lang="en-US" sz="2400" dirty="0"/>
-              <a:t>, </a:t>
-            </a:r>
-            <a:r>
-              <a:rPr lang="en-US" sz="2400" dirty="0" err="1"/>
-              <a:t>phù</a:t>
-            </a:r>
-            <a:r>
-              <a:rPr lang="en-US" sz="2400" dirty="0"/>
-              <a:t> </a:t>
-            </a:r>
-            <a:r>
-              <a:rPr lang="en-US" sz="2400" dirty="0" err="1"/>
-              <a:t>hợp</a:t>
-            </a:r>
-            <a:r>
-              <a:rPr lang="en-US" sz="2400" dirty="0"/>
-              <a:t> </a:t>
-            </a:r>
-            <a:r>
-              <a:rPr lang="en-US" sz="2400" dirty="0" err="1"/>
-              <a:t>cho</a:t>
-            </a:r>
-            <a:r>
-              <a:rPr lang="en-US" sz="2400" dirty="0"/>
-              <a:t> </a:t>
-            </a:r>
-            <a:r>
-              <a:rPr lang="en-US" sz="2400" dirty="0" err="1"/>
-              <a:t>sản</a:t>
-            </a:r>
-            <a:r>
-              <a:rPr lang="en-US" sz="2400" dirty="0"/>
-              <a:t> </a:t>
-            </a:r>
-            <a:r>
-              <a:rPr lang="en-US" sz="2400" dirty="0" err="1"/>
-              <a:t>xuất</a:t>
-            </a:r>
-            <a:r>
-              <a:rPr lang="en-US" sz="2400" dirty="0"/>
-              <a:t> </a:t>
-            </a:r>
-            <a:r>
-              <a:rPr lang="en-US" sz="2400" dirty="0" err="1"/>
-              <a:t>công</a:t>
-            </a:r>
-            <a:r>
-              <a:rPr lang="en-US" sz="2400" dirty="0"/>
-              <a:t> </a:t>
-            </a:r>
-            <a:r>
-              <a:rPr lang="en-US" sz="2400" dirty="0" err="1"/>
-              <a:t>nghiệp</a:t>
-            </a:r>
-            <a:r>
-              <a:rPr lang="en-US" sz="2400" dirty="0"/>
-              <a:t> </a:t>
-            </a:r>
-            <a:r>
-              <a:rPr lang="en-US" sz="2400" dirty="0" err="1"/>
-              <a:t>quy</a:t>
-            </a:r>
-            <a:r>
-              <a:rPr lang="en-US" sz="2400" dirty="0"/>
-              <a:t> </a:t>
-            </a:r>
-            <a:r>
-              <a:rPr lang="en-US" sz="2400" dirty="0" err="1"/>
-              <a:t>mô</a:t>
-            </a:r>
-            <a:r>
-              <a:rPr lang="en-US" sz="2400" dirty="0"/>
-              <a:t> </a:t>
-            </a:r>
-            <a:r>
-              <a:rPr lang="en-US" sz="2400" dirty="0" err="1"/>
-              <a:t>lớn</a:t>
-            </a:r>
-            <a:r>
-              <a:rPr lang="en-US" sz="2400" dirty="0"/>
-              <a:t>.</a:t>
-            </a:r>
+              <a:rPr lang="vi-VN" sz="2400" b="1" dirty="0"/>
+              <a:t>Slot Die Coating</a:t>
+            </a:r>
+            <a:r>
+              <a:rPr lang="vi-VN" sz="2400" dirty="0"/>
+              <a:t>: Cao cấp hơn, phù hợp sản xuất công nghiệp.</a:t>
+            </a:r>
+            <a:endParaRPr lang="en-US" sz="2400" dirty="0"/>
           </a:p>
         </p:txBody>
       </p:sp>
